--- a/ppt 16-9/0460.谁愿做精兵.pptx
+++ b/ppt 16-9/0460.谁愿做精兵.pptx
@@ -5,7 +5,7 @@
     <p:sldMasterId id="2147483648" r:id="rId1"/>
   </p:sldMasterIdLst>
   <p:sldIdLst>
-    <p:sldId id="2957" r:id="rId2"/>
+    <p:sldId id="2958" r:id="rId2"/>
   </p:sldIdLst>
   <p:sldSz cx="12192000" cy="6858000"/>
   <p:notesSz cx="6858000" cy="9144000"/>
@@ -129,7 +129,7 @@
           <p:cNvPr id="2" name="标题 1">
             <a:extLst>
               <a:ext uri="{FF2B5EF4-FFF2-40B4-BE49-F238E27FC236}">
-                <a16:creationId xmlns:a16="http://schemas.microsoft.com/office/drawing/2014/main" id="{CA1A70A8-B5C7-933C-FC15-D564A8B8F0C9}"/>
+                <a16:creationId xmlns:a16="http://schemas.microsoft.com/office/drawing/2014/main" id="{5359C908-4A5A-4855-D60F-EB61E0CADD09}"/>
               </a:ext>
             </a:extLst>
           </p:cNvPr>
@@ -166,7 +166,7 @@
           <p:cNvPr id="3" name="副标题 2">
             <a:extLst>
               <a:ext uri="{FF2B5EF4-FFF2-40B4-BE49-F238E27FC236}">
-                <a16:creationId xmlns:a16="http://schemas.microsoft.com/office/drawing/2014/main" id="{6C223E23-B3E0-A359-4FD3-4A7D20278058}"/>
+                <a16:creationId xmlns:a16="http://schemas.microsoft.com/office/drawing/2014/main" id="{166F5256-9460-52B8-FCE2-F47F0C677293}"/>
               </a:ext>
             </a:extLst>
           </p:cNvPr>
@@ -236,7 +236,7 @@
           <p:cNvPr id="4" name="日期占位符 3">
             <a:extLst>
               <a:ext uri="{FF2B5EF4-FFF2-40B4-BE49-F238E27FC236}">
-                <a16:creationId xmlns:a16="http://schemas.microsoft.com/office/drawing/2014/main" id="{A1622A67-3024-239F-BD2A-71A81906ADB2}"/>
+                <a16:creationId xmlns:a16="http://schemas.microsoft.com/office/drawing/2014/main" id="{3C137EFC-66F6-A389-0745-8595E3B6D246}"/>
               </a:ext>
             </a:extLst>
           </p:cNvPr>
@@ -252,7 +252,7 @@
           <a:bodyPr/>
           <a:lstStyle/>
           <a:p>
-            <a:fld id="{C47FAE34-0777-4BBD-85B9-3AEE94ED4D86}" type="datetimeFigureOut">
+            <a:fld id="{32FADDD2-9A04-41FE-B5CE-6C2D77E511BC}" type="datetimeFigureOut">
               <a:rPr lang="zh-CN" altLang="en-US" smtClean="0"/>
               <a:t>2024/3/10</a:t>
             </a:fld>
@@ -265,7 +265,7 @@
           <p:cNvPr id="5" name="页脚占位符 4">
             <a:extLst>
               <a:ext uri="{FF2B5EF4-FFF2-40B4-BE49-F238E27FC236}">
-                <a16:creationId xmlns:a16="http://schemas.microsoft.com/office/drawing/2014/main" id="{C8CEE8DA-5A82-C002-354A-788BE4E2ABB1}"/>
+                <a16:creationId xmlns:a16="http://schemas.microsoft.com/office/drawing/2014/main" id="{361BF84A-9ED3-D5ED-3C25-76B1EEEBBCED}"/>
               </a:ext>
             </a:extLst>
           </p:cNvPr>
@@ -290,7 +290,7 @@
           <p:cNvPr id="6" name="灯片编号占位符 5">
             <a:extLst>
               <a:ext uri="{FF2B5EF4-FFF2-40B4-BE49-F238E27FC236}">
-                <a16:creationId xmlns:a16="http://schemas.microsoft.com/office/drawing/2014/main" id="{C6200D88-55A3-00DF-713F-B4384FCD789E}"/>
+                <a16:creationId xmlns:a16="http://schemas.microsoft.com/office/drawing/2014/main" id="{BDCF13B7-2DF7-A852-A9B4-6B0811115AFB}"/>
               </a:ext>
             </a:extLst>
           </p:cNvPr>
@@ -306,7 +306,7 @@
           <a:bodyPr/>
           <a:lstStyle/>
           <a:p>
-            <a:fld id="{B030DD09-55AE-435B-AF34-3C2AB3587C0F}" type="slidenum">
+            <a:fld id="{312A4D9C-8C5E-4C10-B2FA-62A86F21F4B9}" type="slidenum">
               <a:rPr lang="zh-CN" altLang="en-US" smtClean="0"/>
               <a:t>‹#›</a:t>
             </a:fld>
@@ -317,7 +317,7 @@
     </p:spTree>
     <p:extLst>
       <p:ext uri="{BB962C8B-B14F-4D97-AF65-F5344CB8AC3E}">
-        <p14:creationId xmlns:p14="http://schemas.microsoft.com/office/powerpoint/2010/main" val="3258508891"/>
+        <p14:creationId xmlns:p14="http://schemas.microsoft.com/office/powerpoint/2010/main" val="1897227655"/>
       </p:ext>
     </p:extLst>
   </p:cSld>
@@ -349,7 +349,7 @@
           <p:cNvPr id="2" name="标题 1">
             <a:extLst>
               <a:ext uri="{FF2B5EF4-FFF2-40B4-BE49-F238E27FC236}">
-                <a16:creationId xmlns:a16="http://schemas.microsoft.com/office/drawing/2014/main" id="{021952DF-31B1-5985-A98A-D6397F514659}"/>
+                <a16:creationId xmlns:a16="http://schemas.microsoft.com/office/drawing/2014/main" id="{03FEA7CC-EB34-56A6-7DBD-D3AEB0B80D75}"/>
               </a:ext>
             </a:extLst>
           </p:cNvPr>
@@ -377,7 +377,7 @@
           <p:cNvPr id="3" name="竖排文字占位符 2">
             <a:extLst>
               <a:ext uri="{FF2B5EF4-FFF2-40B4-BE49-F238E27FC236}">
-                <a16:creationId xmlns:a16="http://schemas.microsoft.com/office/drawing/2014/main" id="{F605C2CA-61F6-96F8-826F-79499ABECC02}"/>
+                <a16:creationId xmlns:a16="http://schemas.microsoft.com/office/drawing/2014/main" id="{5F13935D-FE5F-24BB-E07E-261F3A0FD0EA}"/>
               </a:ext>
             </a:extLst>
           </p:cNvPr>
@@ -434,7 +434,7 @@
           <p:cNvPr id="4" name="日期占位符 3">
             <a:extLst>
               <a:ext uri="{FF2B5EF4-FFF2-40B4-BE49-F238E27FC236}">
-                <a16:creationId xmlns:a16="http://schemas.microsoft.com/office/drawing/2014/main" id="{575FD106-B741-FB5E-6B87-6931B70941DF}"/>
+                <a16:creationId xmlns:a16="http://schemas.microsoft.com/office/drawing/2014/main" id="{77A3F778-5FDF-FFB4-3506-31530C7B5743}"/>
               </a:ext>
             </a:extLst>
           </p:cNvPr>
@@ -450,7 +450,7 @@
           <a:bodyPr/>
           <a:lstStyle/>
           <a:p>
-            <a:fld id="{C47FAE34-0777-4BBD-85B9-3AEE94ED4D86}" type="datetimeFigureOut">
+            <a:fld id="{32FADDD2-9A04-41FE-B5CE-6C2D77E511BC}" type="datetimeFigureOut">
               <a:rPr lang="zh-CN" altLang="en-US" smtClean="0"/>
               <a:t>2024/3/10</a:t>
             </a:fld>
@@ -463,7 +463,7 @@
           <p:cNvPr id="5" name="页脚占位符 4">
             <a:extLst>
               <a:ext uri="{FF2B5EF4-FFF2-40B4-BE49-F238E27FC236}">
-                <a16:creationId xmlns:a16="http://schemas.microsoft.com/office/drawing/2014/main" id="{FEAB583C-054B-965E-1A10-A52186FAED2C}"/>
+                <a16:creationId xmlns:a16="http://schemas.microsoft.com/office/drawing/2014/main" id="{E430B7F7-766F-61DB-95ED-1F39E4BCD5CA}"/>
               </a:ext>
             </a:extLst>
           </p:cNvPr>
@@ -488,7 +488,7 @@
           <p:cNvPr id="6" name="灯片编号占位符 5">
             <a:extLst>
               <a:ext uri="{FF2B5EF4-FFF2-40B4-BE49-F238E27FC236}">
-                <a16:creationId xmlns:a16="http://schemas.microsoft.com/office/drawing/2014/main" id="{1015CE14-39F0-4A3C-B5F5-299820DD4CC4}"/>
+                <a16:creationId xmlns:a16="http://schemas.microsoft.com/office/drawing/2014/main" id="{E3A34440-FC9A-E641-CDAB-98AA31A7C134}"/>
               </a:ext>
             </a:extLst>
           </p:cNvPr>
@@ -504,7 +504,7 @@
           <a:bodyPr/>
           <a:lstStyle/>
           <a:p>
-            <a:fld id="{B030DD09-55AE-435B-AF34-3C2AB3587C0F}" type="slidenum">
+            <a:fld id="{312A4D9C-8C5E-4C10-B2FA-62A86F21F4B9}" type="slidenum">
               <a:rPr lang="zh-CN" altLang="en-US" smtClean="0"/>
               <a:t>‹#›</a:t>
             </a:fld>
@@ -515,7 +515,7 @@
     </p:spTree>
     <p:extLst>
       <p:ext uri="{BB962C8B-B14F-4D97-AF65-F5344CB8AC3E}">
-        <p14:creationId xmlns:p14="http://schemas.microsoft.com/office/powerpoint/2010/main" val="3633915723"/>
+        <p14:creationId xmlns:p14="http://schemas.microsoft.com/office/powerpoint/2010/main" val="1141621171"/>
       </p:ext>
     </p:extLst>
   </p:cSld>
@@ -547,7 +547,7 @@
           <p:cNvPr id="2" name="竖排标题 1">
             <a:extLst>
               <a:ext uri="{FF2B5EF4-FFF2-40B4-BE49-F238E27FC236}">
-                <a16:creationId xmlns:a16="http://schemas.microsoft.com/office/drawing/2014/main" id="{6B7A1EFA-9EFC-0E3A-79B0-5076B7D7682D}"/>
+                <a16:creationId xmlns:a16="http://schemas.microsoft.com/office/drawing/2014/main" id="{7A75CB4E-BD39-7673-A6A5-7ECBCBE07725}"/>
               </a:ext>
             </a:extLst>
           </p:cNvPr>
@@ -580,7 +580,7 @@
           <p:cNvPr id="3" name="竖排文字占位符 2">
             <a:extLst>
               <a:ext uri="{FF2B5EF4-FFF2-40B4-BE49-F238E27FC236}">
-                <a16:creationId xmlns:a16="http://schemas.microsoft.com/office/drawing/2014/main" id="{0AFA4CA5-C3A5-2EAA-9D88-925ADD6747F4}"/>
+                <a16:creationId xmlns:a16="http://schemas.microsoft.com/office/drawing/2014/main" id="{CB6696C9-8904-E405-ABC1-16981FDBB771}"/>
               </a:ext>
             </a:extLst>
           </p:cNvPr>
@@ -642,7 +642,7 @@
           <p:cNvPr id="4" name="日期占位符 3">
             <a:extLst>
               <a:ext uri="{FF2B5EF4-FFF2-40B4-BE49-F238E27FC236}">
-                <a16:creationId xmlns:a16="http://schemas.microsoft.com/office/drawing/2014/main" id="{AB76CA55-CFF1-1C89-1E6D-0C482A6C71E4}"/>
+                <a16:creationId xmlns:a16="http://schemas.microsoft.com/office/drawing/2014/main" id="{BA07F18C-9153-D0A0-D4AA-35BA3CCABFF6}"/>
               </a:ext>
             </a:extLst>
           </p:cNvPr>
@@ -658,7 +658,7 @@
           <a:bodyPr/>
           <a:lstStyle/>
           <a:p>
-            <a:fld id="{C47FAE34-0777-4BBD-85B9-3AEE94ED4D86}" type="datetimeFigureOut">
+            <a:fld id="{32FADDD2-9A04-41FE-B5CE-6C2D77E511BC}" type="datetimeFigureOut">
               <a:rPr lang="zh-CN" altLang="en-US" smtClean="0"/>
               <a:t>2024/3/10</a:t>
             </a:fld>
@@ -671,7 +671,7 @@
           <p:cNvPr id="5" name="页脚占位符 4">
             <a:extLst>
               <a:ext uri="{FF2B5EF4-FFF2-40B4-BE49-F238E27FC236}">
-                <a16:creationId xmlns:a16="http://schemas.microsoft.com/office/drawing/2014/main" id="{CA0EC5DE-0132-EE37-E7EC-0E9193847CB8}"/>
+                <a16:creationId xmlns:a16="http://schemas.microsoft.com/office/drawing/2014/main" id="{97197ADD-DAE9-B97A-165A-BA55CD003251}"/>
               </a:ext>
             </a:extLst>
           </p:cNvPr>
@@ -696,7 +696,7 @@
           <p:cNvPr id="6" name="灯片编号占位符 5">
             <a:extLst>
               <a:ext uri="{FF2B5EF4-FFF2-40B4-BE49-F238E27FC236}">
-                <a16:creationId xmlns:a16="http://schemas.microsoft.com/office/drawing/2014/main" id="{4DE4F349-E935-CD7A-4883-07F59EDBF74A}"/>
+                <a16:creationId xmlns:a16="http://schemas.microsoft.com/office/drawing/2014/main" id="{052F4458-A9BF-9466-DF01-34235195933A}"/>
               </a:ext>
             </a:extLst>
           </p:cNvPr>
@@ -712,7 +712,7 @@
           <a:bodyPr/>
           <a:lstStyle/>
           <a:p>
-            <a:fld id="{B030DD09-55AE-435B-AF34-3C2AB3587C0F}" type="slidenum">
+            <a:fld id="{312A4D9C-8C5E-4C10-B2FA-62A86F21F4B9}" type="slidenum">
               <a:rPr lang="zh-CN" altLang="en-US" smtClean="0"/>
               <a:t>‹#›</a:t>
             </a:fld>
@@ -723,7 +723,7 @@
     </p:spTree>
     <p:extLst>
       <p:ext uri="{BB962C8B-B14F-4D97-AF65-F5344CB8AC3E}">
-        <p14:creationId xmlns:p14="http://schemas.microsoft.com/office/powerpoint/2010/main" val="2197912398"/>
+        <p14:creationId xmlns:p14="http://schemas.microsoft.com/office/powerpoint/2010/main" val="171303613"/>
       </p:ext>
     </p:extLst>
   </p:cSld>
@@ -755,7 +755,7 @@
           <p:cNvPr id="2" name="标题 1">
             <a:extLst>
               <a:ext uri="{FF2B5EF4-FFF2-40B4-BE49-F238E27FC236}">
-                <a16:creationId xmlns:a16="http://schemas.microsoft.com/office/drawing/2014/main" id="{CEA7CF97-48C7-BAA9-D413-F1C719325D9F}"/>
+                <a16:creationId xmlns:a16="http://schemas.microsoft.com/office/drawing/2014/main" id="{ABA866FF-5A0D-3DA4-3347-47E1309A1D49}"/>
               </a:ext>
             </a:extLst>
           </p:cNvPr>
@@ -783,7 +783,7 @@
           <p:cNvPr id="3" name="内容占位符 2">
             <a:extLst>
               <a:ext uri="{FF2B5EF4-FFF2-40B4-BE49-F238E27FC236}">
-                <a16:creationId xmlns:a16="http://schemas.microsoft.com/office/drawing/2014/main" id="{B372533D-4F7E-D766-906E-06BEDADEBDB2}"/>
+                <a16:creationId xmlns:a16="http://schemas.microsoft.com/office/drawing/2014/main" id="{75A40110-C744-63A2-4924-37C4577F5016}"/>
               </a:ext>
             </a:extLst>
           </p:cNvPr>
@@ -840,7 +840,7 @@
           <p:cNvPr id="4" name="日期占位符 3">
             <a:extLst>
               <a:ext uri="{FF2B5EF4-FFF2-40B4-BE49-F238E27FC236}">
-                <a16:creationId xmlns:a16="http://schemas.microsoft.com/office/drawing/2014/main" id="{94A8D17E-E8E0-E177-10D4-F1A475C40D3F}"/>
+                <a16:creationId xmlns:a16="http://schemas.microsoft.com/office/drawing/2014/main" id="{00D4BD3C-D856-35E0-F76A-108C1A79A27B}"/>
               </a:ext>
             </a:extLst>
           </p:cNvPr>
@@ -856,7 +856,7 @@
           <a:bodyPr/>
           <a:lstStyle/>
           <a:p>
-            <a:fld id="{C47FAE34-0777-4BBD-85B9-3AEE94ED4D86}" type="datetimeFigureOut">
+            <a:fld id="{32FADDD2-9A04-41FE-B5CE-6C2D77E511BC}" type="datetimeFigureOut">
               <a:rPr lang="zh-CN" altLang="en-US" smtClean="0"/>
               <a:t>2024/3/10</a:t>
             </a:fld>
@@ -869,7 +869,7 @@
           <p:cNvPr id="5" name="页脚占位符 4">
             <a:extLst>
               <a:ext uri="{FF2B5EF4-FFF2-40B4-BE49-F238E27FC236}">
-                <a16:creationId xmlns:a16="http://schemas.microsoft.com/office/drawing/2014/main" id="{9F5166D4-FB34-318D-FED6-4244FE94E7C3}"/>
+                <a16:creationId xmlns:a16="http://schemas.microsoft.com/office/drawing/2014/main" id="{8B2A9B72-D460-B952-902D-74DC479EECA3}"/>
               </a:ext>
             </a:extLst>
           </p:cNvPr>
@@ -894,7 +894,7 @@
           <p:cNvPr id="6" name="灯片编号占位符 5">
             <a:extLst>
               <a:ext uri="{FF2B5EF4-FFF2-40B4-BE49-F238E27FC236}">
-                <a16:creationId xmlns:a16="http://schemas.microsoft.com/office/drawing/2014/main" id="{82A4DEF0-1377-99AE-C558-C640480E4BC4}"/>
+                <a16:creationId xmlns:a16="http://schemas.microsoft.com/office/drawing/2014/main" id="{AAE402E5-051B-AEA0-85CB-507E70E4EB6D}"/>
               </a:ext>
             </a:extLst>
           </p:cNvPr>
@@ -910,7 +910,7 @@
           <a:bodyPr/>
           <a:lstStyle/>
           <a:p>
-            <a:fld id="{B030DD09-55AE-435B-AF34-3C2AB3587C0F}" type="slidenum">
+            <a:fld id="{312A4D9C-8C5E-4C10-B2FA-62A86F21F4B9}" type="slidenum">
               <a:rPr lang="zh-CN" altLang="en-US" smtClean="0"/>
               <a:t>‹#›</a:t>
             </a:fld>
@@ -921,7 +921,7 @@
     </p:spTree>
     <p:extLst>
       <p:ext uri="{BB962C8B-B14F-4D97-AF65-F5344CB8AC3E}">
-        <p14:creationId xmlns:p14="http://schemas.microsoft.com/office/powerpoint/2010/main" val="3695759722"/>
+        <p14:creationId xmlns:p14="http://schemas.microsoft.com/office/powerpoint/2010/main" val="4211761192"/>
       </p:ext>
     </p:extLst>
   </p:cSld>
@@ -953,7 +953,7 @@
           <p:cNvPr id="2" name="标题 1">
             <a:extLst>
               <a:ext uri="{FF2B5EF4-FFF2-40B4-BE49-F238E27FC236}">
-                <a16:creationId xmlns:a16="http://schemas.microsoft.com/office/drawing/2014/main" id="{FD5EF4C5-C5D2-3581-6828-2BF19CF5C4F0}"/>
+                <a16:creationId xmlns:a16="http://schemas.microsoft.com/office/drawing/2014/main" id="{3DC2EFDA-3FD0-2614-3D9D-810C4C1954D0}"/>
               </a:ext>
             </a:extLst>
           </p:cNvPr>
@@ -990,7 +990,7 @@
           <p:cNvPr id="3" name="文本占位符 2">
             <a:extLst>
               <a:ext uri="{FF2B5EF4-FFF2-40B4-BE49-F238E27FC236}">
-                <a16:creationId xmlns:a16="http://schemas.microsoft.com/office/drawing/2014/main" id="{796B7571-2B28-AECF-F74C-F320A7BCBE67}"/>
+                <a16:creationId xmlns:a16="http://schemas.microsoft.com/office/drawing/2014/main" id="{43BFAFA5-69A4-1DAD-5ABD-91017D93102F}"/>
               </a:ext>
             </a:extLst>
           </p:cNvPr>
@@ -1115,7 +1115,7 @@
           <p:cNvPr id="4" name="日期占位符 3">
             <a:extLst>
               <a:ext uri="{FF2B5EF4-FFF2-40B4-BE49-F238E27FC236}">
-                <a16:creationId xmlns:a16="http://schemas.microsoft.com/office/drawing/2014/main" id="{17D1896C-C503-B9FC-024D-B0A98D0E89B1}"/>
+                <a16:creationId xmlns:a16="http://schemas.microsoft.com/office/drawing/2014/main" id="{BAF8B62F-9423-7B4D-4A45-B990BDA052C9}"/>
               </a:ext>
             </a:extLst>
           </p:cNvPr>
@@ -1131,7 +1131,7 @@
           <a:bodyPr/>
           <a:lstStyle/>
           <a:p>
-            <a:fld id="{C47FAE34-0777-4BBD-85B9-3AEE94ED4D86}" type="datetimeFigureOut">
+            <a:fld id="{32FADDD2-9A04-41FE-B5CE-6C2D77E511BC}" type="datetimeFigureOut">
               <a:rPr lang="zh-CN" altLang="en-US" smtClean="0"/>
               <a:t>2024/3/10</a:t>
             </a:fld>
@@ -1144,7 +1144,7 @@
           <p:cNvPr id="5" name="页脚占位符 4">
             <a:extLst>
               <a:ext uri="{FF2B5EF4-FFF2-40B4-BE49-F238E27FC236}">
-                <a16:creationId xmlns:a16="http://schemas.microsoft.com/office/drawing/2014/main" id="{EABC48EF-4EDC-0E98-55EE-A1408C5B3415}"/>
+                <a16:creationId xmlns:a16="http://schemas.microsoft.com/office/drawing/2014/main" id="{D0CE80A3-173A-8AC3-A77E-428AA681D51C}"/>
               </a:ext>
             </a:extLst>
           </p:cNvPr>
@@ -1169,7 +1169,7 @@
           <p:cNvPr id="6" name="灯片编号占位符 5">
             <a:extLst>
               <a:ext uri="{FF2B5EF4-FFF2-40B4-BE49-F238E27FC236}">
-                <a16:creationId xmlns:a16="http://schemas.microsoft.com/office/drawing/2014/main" id="{F4D9135A-E376-B01F-2A7F-3F5B14A25534}"/>
+                <a16:creationId xmlns:a16="http://schemas.microsoft.com/office/drawing/2014/main" id="{EA163A0C-40C8-C304-B722-C1D75628DF28}"/>
               </a:ext>
             </a:extLst>
           </p:cNvPr>
@@ -1185,7 +1185,7 @@
           <a:bodyPr/>
           <a:lstStyle/>
           <a:p>
-            <a:fld id="{B030DD09-55AE-435B-AF34-3C2AB3587C0F}" type="slidenum">
+            <a:fld id="{312A4D9C-8C5E-4C10-B2FA-62A86F21F4B9}" type="slidenum">
               <a:rPr lang="zh-CN" altLang="en-US" smtClean="0"/>
               <a:t>‹#›</a:t>
             </a:fld>
@@ -1196,7 +1196,7 @@
     </p:spTree>
     <p:extLst>
       <p:ext uri="{BB962C8B-B14F-4D97-AF65-F5344CB8AC3E}">
-        <p14:creationId xmlns:p14="http://schemas.microsoft.com/office/powerpoint/2010/main" val="2954905723"/>
+        <p14:creationId xmlns:p14="http://schemas.microsoft.com/office/powerpoint/2010/main" val="1622391549"/>
       </p:ext>
     </p:extLst>
   </p:cSld>
@@ -1228,7 +1228,7 @@
           <p:cNvPr id="2" name="标题 1">
             <a:extLst>
               <a:ext uri="{FF2B5EF4-FFF2-40B4-BE49-F238E27FC236}">
-                <a16:creationId xmlns:a16="http://schemas.microsoft.com/office/drawing/2014/main" id="{78AE2A03-907E-D82E-25BE-8570737EC796}"/>
+                <a16:creationId xmlns:a16="http://schemas.microsoft.com/office/drawing/2014/main" id="{C9326345-D5CB-921E-B5F5-4132B735A667}"/>
               </a:ext>
             </a:extLst>
           </p:cNvPr>
@@ -1256,7 +1256,7 @@
           <p:cNvPr id="3" name="内容占位符 2">
             <a:extLst>
               <a:ext uri="{FF2B5EF4-FFF2-40B4-BE49-F238E27FC236}">
-                <a16:creationId xmlns:a16="http://schemas.microsoft.com/office/drawing/2014/main" id="{5CA4CCA9-4A59-4FCE-5DE4-664D796A4CBA}"/>
+                <a16:creationId xmlns:a16="http://schemas.microsoft.com/office/drawing/2014/main" id="{76B4F817-0008-D27C-6AB1-C0BF6B4CF7B0}"/>
               </a:ext>
             </a:extLst>
           </p:cNvPr>
@@ -1318,7 +1318,7 @@
           <p:cNvPr id="4" name="内容占位符 3">
             <a:extLst>
               <a:ext uri="{FF2B5EF4-FFF2-40B4-BE49-F238E27FC236}">
-                <a16:creationId xmlns:a16="http://schemas.microsoft.com/office/drawing/2014/main" id="{D0020F91-61CC-96EC-C1C4-BE9E512047BA}"/>
+                <a16:creationId xmlns:a16="http://schemas.microsoft.com/office/drawing/2014/main" id="{3B7F94F1-677D-BA21-7E0B-E87C3879A17A}"/>
               </a:ext>
             </a:extLst>
           </p:cNvPr>
@@ -1380,7 +1380,7 @@
           <p:cNvPr id="5" name="日期占位符 4">
             <a:extLst>
               <a:ext uri="{FF2B5EF4-FFF2-40B4-BE49-F238E27FC236}">
-                <a16:creationId xmlns:a16="http://schemas.microsoft.com/office/drawing/2014/main" id="{BCB52BAB-7CCC-B2AC-9280-36934D3CFBB6}"/>
+                <a16:creationId xmlns:a16="http://schemas.microsoft.com/office/drawing/2014/main" id="{FA8BF675-37F4-B484-231E-6F76A9F0E81F}"/>
               </a:ext>
             </a:extLst>
           </p:cNvPr>
@@ -1396,7 +1396,7 @@
           <a:bodyPr/>
           <a:lstStyle/>
           <a:p>
-            <a:fld id="{C47FAE34-0777-4BBD-85B9-3AEE94ED4D86}" type="datetimeFigureOut">
+            <a:fld id="{32FADDD2-9A04-41FE-B5CE-6C2D77E511BC}" type="datetimeFigureOut">
               <a:rPr lang="zh-CN" altLang="en-US" smtClean="0"/>
               <a:t>2024/3/10</a:t>
             </a:fld>
@@ -1409,7 +1409,7 @@
           <p:cNvPr id="6" name="页脚占位符 5">
             <a:extLst>
               <a:ext uri="{FF2B5EF4-FFF2-40B4-BE49-F238E27FC236}">
-                <a16:creationId xmlns:a16="http://schemas.microsoft.com/office/drawing/2014/main" id="{7E3915E3-3674-A545-DBA4-3D7EE05FDF13}"/>
+                <a16:creationId xmlns:a16="http://schemas.microsoft.com/office/drawing/2014/main" id="{CEA6C683-2D64-F406-57C9-C0F09652116F}"/>
               </a:ext>
             </a:extLst>
           </p:cNvPr>
@@ -1434,7 +1434,7 @@
           <p:cNvPr id="7" name="灯片编号占位符 6">
             <a:extLst>
               <a:ext uri="{FF2B5EF4-FFF2-40B4-BE49-F238E27FC236}">
-                <a16:creationId xmlns:a16="http://schemas.microsoft.com/office/drawing/2014/main" id="{40AC049D-C2A3-3E72-9AE4-4A6D282F27DB}"/>
+                <a16:creationId xmlns:a16="http://schemas.microsoft.com/office/drawing/2014/main" id="{4DA73884-18C0-35F1-EBE3-0917F7D3BA05}"/>
               </a:ext>
             </a:extLst>
           </p:cNvPr>
@@ -1450,7 +1450,7 @@
           <a:bodyPr/>
           <a:lstStyle/>
           <a:p>
-            <a:fld id="{B030DD09-55AE-435B-AF34-3C2AB3587C0F}" type="slidenum">
+            <a:fld id="{312A4D9C-8C5E-4C10-B2FA-62A86F21F4B9}" type="slidenum">
               <a:rPr lang="zh-CN" altLang="en-US" smtClean="0"/>
               <a:t>‹#›</a:t>
             </a:fld>
@@ -1461,7 +1461,7 @@
     </p:spTree>
     <p:extLst>
       <p:ext uri="{BB962C8B-B14F-4D97-AF65-F5344CB8AC3E}">
-        <p14:creationId xmlns:p14="http://schemas.microsoft.com/office/powerpoint/2010/main" val="1499412014"/>
+        <p14:creationId xmlns:p14="http://schemas.microsoft.com/office/powerpoint/2010/main" val="3224952367"/>
       </p:ext>
     </p:extLst>
   </p:cSld>
@@ -1493,7 +1493,7 @@
           <p:cNvPr id="2" name="标题 1">
             <a:extLst>
               <a:ext uri="{FF2B5EF4-FFF2-40B4-BE49-F238E27FC236}">
-                <a16:creationId xmlns:a16="http://schemas.microsoft.com/office/drawing/2014/main" id="{4DC812B7-7BC8-8194-6FCC-FA4443570A74}"/>
+                <a16:creationId xmlns:a16="http://schemas.microsoft.com/office/drawing/2014/main" id="{DF1FACD9-C8F8-90DD-4145-D26C50A8363E}"/>
               </a:ext>
             </a:extLst>
           </p:cNvPr>
@@ -1526,7 +1526,7 @@
           <p:cNvPr id="3" name="文本占位符 2">
             <a:extLst>
               <a:ext uri="{FF2B5EF4-FFF2-40B4-BE49-F238E27FC236}">
-                <a16:creationId xmlns:a16="http://schemas.microsoft.com/office/drawing/2014/main" id="{FAA7ACC2-340C-9C63-E751-9409713624A2}"/>
+                <a16:creationId xmlns:a16="http://schemas.microsoft.com/office/drawing/2014/main" id="{04548C67-703E-791B-9F37-31A5C71F600B}"/>
               </a:ext>
             </a:extLst>
           </p:cNvPr>
@@ -1597,7 +1597,7 @@
           <p:cNvPr id="4" name="内容占位符 3">
             <a:extLst>
               <a:ext uri="{FF2B5EF4-FFF2-40B4-BE49-F238E27FC236}">
-                <a16:creationId xmlns:a16="http://schemas.microsoft.com/office/drawing/2014/main" id="{709BDCF8-4D53-CB1B-9019-4161FE9D6A89}"/>
+                <a16:creationId xmlns:a16="http://schemas.microsoft.com/office/drawing/2014/main" id="{485863C2-E23E-4F68-02DC-24402EE5D15E}"/>
               </a:ext>
             </a:extLst>
           </p:cNvPr>
@@ -1659,7 +1659,7 @@
           <p:cNvPr id="5" name="文本占位符 4">
             <a:extLst>
               <a:ext uri="{FF2B5EF4-FFF2-40B4-BE49-F238E27FC236}">
-                <a16:creationId xmlns:a16="http://schemas.microsoft.com/office/drawing/2014/main" id="{A5514999-21F8-869F-49B6-75148929AA33}"/>
+                <a16:creationId xmlns:a16="http://schemas.microsoft.com/office/drawing/2014/main" id="{2F978AE4-109B-8605-0298-16E0FADA33CB}"/>
               </a:ext>
             </a:extLst>
           </p:cNvPr>
@@ -1730,7 +1730,7 @@
           <p:cNvPr id="6" name="内容占位符 5">
             <a:extLst>
               <a:ext uri="{FF2B5EF4-FFF2-40B4-BE49-F238E27FC236}">
-                <a16:creationId xmlns:a16="http://schemas.microsoft.com/office/drawing/2014/main" id="{7A474539-F625-3C7F-FCA0-9C90772FEFF0}"/>
+                <a16:creationId xmlns:a16="http://schemas.microsoft.com/office/drawing/2014/main" id="{BFA751C4-B756-19EF-D683-29665C04F2EE}"/>
               </a:ext>
             </a:extLst>
           </p:cNvPr>
@@ -1792,7 +1792,7 @@
           <p:cNvPr id="7" name="日期占位符 6">
             <a:extLst>
               <a:ext uri="{FF2B5EF4-FFF2-40B4-BE49-F238E27FC236}">
-                <a16:creationId xmlns:a16="http://schemas.microsoft.com/office/drawing/2014/main" id="{A90C84E5-4F2A-B6E3-238D-EA38550F631E}"/>
+                <a16:creationId xmlns:a16="http://schemas.microsoft.com/office/drawing/2014/main" id="{7352DAF2-BDA9-89E9-4C99-2C5F35B6AFDE}"/>
               </a:ext>
             </a:extLst>
           </p:cNvPr>
@@ -1808,7 +1808,7 @@
           <a:bodyPr/>
           <a:lstStyle/>
           <a:p>
-            <a:fld id="{C47FAE34-0777-4BBD-85B9-3AEE94ED4D86}" type="datetimeFigureOut">
+            <a:fld id="{32FADDD2-9A04-41FE-B5CE-6C2D77E511BC}" type="datetimeFigureOut">
               <a:rPr lang="zh-CN" altLang="en-US" smtClean="0"/>
               <a:t>2024/3/10</a:t>
             </a:fld>
@@ -1821,7 +1821,7 @@
           <p:cNvPr id="8" name="页脚占位符 7">
             <a:extLst>
               <a:ext uri="{FF2B5EF4-FFF2-40B4-BE49-F238E27FC236}">
-                <a16:creationId xmlns:a16="http://schemas.microsoft.com/office/drawing/2014/main" id="{D0AE8253-112E-9D78-E904-1E12B0793EEE}"/>
+                <a16:creationId xmlns:a16="http://schemas.microsoft.com/office/drawing/2014/main" id="{9393B7C2-D8D3-A0EF-5390-CDDD7650617D}"/>
               </a:ext>
             </a:extLst>
           </p:cNvPr>
@@ -1846,7 +1846,7 @@
           <p:cNvPr id="9" name="灯片编号占位符 8">
             <a:extLst>
               <a:ext uri="{FF2B5EF4-FFF2-40B4-BE49-F238E27FC236}">
-                <a16:creationId xmlns:a16="http://schemas.microsoft.com/office/drawing/2014/main" id="{01A6F555-ADD3-0E4F-0901-FDDED296591C}"/>
+                <a16:creationId xmlns:a16="http://schemas.microsoft.com/office/drawing/2014/main" id="{6652C7BD-7148-4DE5-D7EF-7AF875462083}"/>
               </a:ext>
             </a:extLst>
           </p:cNvPr>
@@ -1862,7 +1862,7 @@
           <a:bodyPr/>
           <a:lstStyle/>
           <a:p>
-            <a:fld id="{B030DD09-55AE-435B-AF34-3C2AB3587C0F}" type="slidenum">
+            <a:fld id="{312A4D9C-8C5E-4C10-B2FA-62A86F21F4B9}" type="slidenum">
               <a:rPr lang="zh-CN" altLang="en-US" smtClean="0"/>
               <a:t>‹#›</a:t>
             </a:fld>
@@ -1873,7 +1873,7 @@
     </p:spTree>
     <p:extLst>
       <p:ext uri="{BB962C8B-B14F-4D97-AF65-F5344CB8AC3E}">
-        <p14:creationId xmlns:p14="http://schemas.microsoft.com/office/powerpoint/2010/main" val="2181448653"/>
+        <p14:creationId xmlns:p14="http://schemas.microsoft.com/office/powerpoint/2010/main" val="2666447589"/>
       </p:ext>
     </p:extLst>
   </p:cSld>
@@ -1905,7 +1905,7 @@
           <p:cNvPr id="2" name="标题 1">
             <a:extLst>
               <a:ext uri="{FF2B5EF4-FFF2-40B4-BE49-F238E27FC236}">
-                <a16:creationId xmlns:a16="http://schemas.microsoft.com/office/drawing/2014/main" id="{B30BD8CC-1AC6-6872-02A1-708EE812E3B3}"/>
+                <a16:creationId xmlns:a16="http://schemas.microsoft.com/office/drawing/2014/main" id="{62957266-65B0-C6E5-338C-E8C8036BFCF5}"/>
               </a:ext>
             </a:extLst>
           </p:cNvPr>
@@ -1933,7 +1933,7 @@
           <p:cNvPr id="3" name="日期占位符 2">
             <a:extLst>
               <a:ext uri="{FF2B5EF4-FFF2-40B4-BE49-F238E27FC236}">
-                <a16:creationId xmlns:a16="http://schemas.microsoft.com/office/drawing/2014/main" id="{DB27F7D8-BFD3-C5DA-54BD-772CE781A188}"/>
+                <a16:creationId xmlns:a16="http://schemas.microsoft.com/office/drawing/2014/main" id="{60D692AD-C6ED-8E09-68B2-B1210A2DE184}"/>
               </a:ext>
             </a:extLst>
           </p:cNvPr>
@@ -1949,7 +1949,7 @@
           <a:bodyPr/>
           <a:lstStyle/>
           <a:p>
-            <a:fld id="{C47FAE34-0777-4BBD-85B9-3AEE94ED4D86}" type="datetimeFigureOut">
+            <a:fld id="{32FADDD2-9A04-41FE-B5CE-6C2D77E511BC}" type="datetimeFigureOut">
               <a:rPr lang="zh-CN" altLang="en-US" smtClean="0"/>
               <a:t>2024/3/10</a:t>
             </a:fld>
@@ -1962,7 +1962,7 @@
           <p:cNvPr id="4" name="页脚占位符 3">
             <a:extLst>
               <a:ext uri="{FF2B5EF4-FFF2-40B4-BE49-F238E27FC236}">
-                <a16:creationId xmlns:a16="http://schemas.microsoft.com/office/drawing/2014/main" id="{F367A89B-4794-22D3-1B38-091C4ADB5289}"/>
+                <a16:creationId xmlns:a16="http://schemas.microsoft.com/office/drawing/2014/main" id="{7803EFC1-72CB-FDA2-F450-8F37E7112D88}"/>
               </a:ext>
             </a:extLst>
           </p:cNvPr>
@@ -1987,7 +1987,7 @@
           <p:cNvPr id="5" name="灯片编号占位符 4">
             <a:extLst>
               <a:ext uri="{FF2B5EF4-FFF2-40B4-BE49-F238E27FC236}">
-                <a16:creationId xmlns:a16="http://schemas.microsoft.com/office/drawing/2014/main" id="{07A9AA39-48B1-01DB-4AF0-4E28C409958B}"/>
+                <a16:creationId xmlns:a16="http://schemas.microsoft.com/office/drawing/2014/main" id="{1D2A6FD4-FC73-7122-0585-9E0EE9689755}"/>
               </a:ext>
             </a:extLst>
           </p:cNvPr>
@@ -2003,7 +2003,7 @@
           <a:bodyPr/>
           <a:lstStyle/>
           <a:p>
-            <a:fld id="{B030DD09-55AE-435B-AF34-3C2AB3587C0F}" type="slidenum">
+            <a:fld id="{312A4D9C-8C5E-4C10-B2FA-62A86F21F4B9}" type="slidenum">
               <a:rPr lang="zh-CN" altLang="en-US" smtClean="0"/>
               <a:t>‹#›</a:t>
             </a:fld>
@@ -2014,7 +2014,7 @@
     </p:spTree>
     <p:extLst>
       <p:ext uri="{BB962C8B-B14F-4D97-AF65-F5344CB8AC3E}">
-        <p14:creationId xmlns:p14="http://schemas.microsoft.com/office/powerpoint/2010/main" val="1048973620"/>
+        <p14:creationId xmlns:p14="http://schemas.microsoft.com/office/powerpoint/2010/main" val="3931631804"/>
       </p:ext>
     </p:extLst>
   </p:cSld>
@@ -2046,7 +2046,7 @@
           <p:cNvPr id="2" name="日期占位符 1">
             <a:extLst>
               <a:ext uri="{FF2B5EF4-FFF2-40B4-BE49-F238E27FC236}">
-                <a16:creationId xmlns:a16="http://schemas.microsoft.com/office/drawing/2014/main" id="{7F61B757-3B69-9A2B-0776-D148CC230152}"/>
+                <a16:creationId xmlns:a16="http://schemas.microsoft.com/office/drawing/2014/main" id="{4BF8FE12-4D5F-4814-66E4-36495B668A29}"/>
               </a:ext>
             </a:extLst>
           </p:cNvPr>
@@ -2062,7 +2062,7 @@
           <a:bodyPr/>
           <a:lstStyle/>
           <a:p>
-            <a:fld id="{C47FAE34-0777-4BBD-85B9-3AEE94ED4D86}" type="datetimeFigureOut">
+            <a:fld id="{32FADDD2-9A04-41FE-B5CE-6C2D77E511BC}" type="datetimeFigureOut">
               <a:rPr lang="zh-CN" altLang="en-US" smtClean="0"/>
               <a:t>2024/3/10</a:t>
             </a:fld>
@@ -2075,7 +2075,7 @@
           <p:cNvPr id="3" name="页脚占位符 2">
             <a:extLst>
               <a:ext uri="{FF2B5EF4-FFF2-40B4-BE49-F238E27FC236}">
-                <a16:creationId xmlns:a16="http://schemas.microsoft.com/office/drawing/2014/main" id="{2707E77F-AD6C-D01F-0D80-B4B33B1FB21C}"/>
+                <a16:creationId xmlns:a16="http://schemas.microsoft.com/office/drawing/2014/main" id="{9731F23B-ED37-AF02-54CF-68D48C4DF9BC}"/>
               </a:ext>
             </a:extLst>
           </p:cNvPr>
@@ -2100,7 +2100,7 @@
           <p:cNvPr id="4" name="灯片编号占位符 3">
             <a:extLst>
               <a:ext uri="{FF2B5EF4-FFF2-40B4-BE49-F238E27FC236}">
-                <a16:creationId xmlns:a16="http://schemas.microsoft.com/office/drawing/2014/main" id="{8EDE4D27-6EC6-D387-91A9-A8B533717FA4}"/>
+                <a16:creationId xmlns:a16="http://schemas.microsoft.com/office/drawing/2014/main" id="{D673CD24-F34D-F8DC-09B2-C9625CC8A013}"/>
               </a:ext>
             </a:extLst>
           </p:cNvPr>
@@ -2116,7 +2116,7 @@
           <a:bodyPr/>
           <a:lstStyle/>
           <a:p>
-            <a:fld id="{B030DD09-55AE-435B-AF34-3C2AB3587C0F}" type="slidenum">
+            <a:fld id="{312A4D9C-8C5E-4C10-B2FA-62A86F21F4B9}" type="slidenum">
               <a:rPr lang="zh-CN" altLang="en-US" smtClean="0"/>
               <a:t>‹#›</a:t>
             </a:fld>
@@ -2127,7 +2127,7 @@
     </p:spTree>
     <p:extLst>
       <p:ext uri="{BB962C8B-B14F-4D97-AF65-F5344CB8AC3E}">
-        <p14:creationId xmlns:p14="http://schemas.microsoft.com/office/powerpoint/2010/main" val="2056542826"/>
+        <p14:creationId xmlns:p14="http://schemas.microsoft.com/office/powerpoint/2010/main" val="3978031266"/>
       </p:ext>
     </p:extLst>
   </p:cSld>
@@ -2159,7 +2159,7 @@
           <p:cNvPr id="2" name="标题 1">
             <a:extLst>
               <a:ext uri="{FF2B5EF4-FFF2-40B4-BE49-F238E27FC236}">
-                <a16:creationId xmlns:a16="http://schemas.microsoft.com/office/drawing/2014/main" id="{48DB933D-0AFA-936C-EE02-3F8DF197352F}"/>
+                <a16:creationId xmlns:a16="http://schemas.microsoft.com/office/drawing/2014/main" id="{900961DA-5803-7F36-DD46-E427B111DB82}"/>
               </a:ext>
             </a:extLst>
           </p:cNvPr>
@@ -2196,7 +2196,7 @@
           <p:cNvPr id="3" name="内容占位符 2">
             <a:extLst>
               <a:ext uri="{FF2B5EF4-FFF2-40B4-BE49-F238E27FC236}">
-                <a16:creationId xmlns:a16="http://schemas.microsoft.com/office/drawing/2014/main" id="{F6687471-7B48-C7F3-2446-215393D4CA41}"/>
+                <a16:creationId xmlns:a16="http://schemas.microsoft.com/office/drawing/2014/main" id="{4DAE2D35-6D9F-4C6D-3B5B-64A2AE70768B}"/>
               </a:ext>
             </a:extLst>
           </p:cNvPr>
@@ -2286,7 +2286,7 @@
           <p:cNvPr id="4" name="文本占位符 3">
             <a:extLst>
               <a:ext uri="{FF2B5EF4-FFF2-40B4-BE49-F238E27FC236}">
-                <a16:creationId xmlns:a16="http://schemas.microsoft.com/office/drawing/2014/main" id="{58A159D0-C45C-0AC0-6F59-FF5CAE5B7DDB}"/>
+                <a16:creationId xmlns:a16="http://schemas.microsoft.com/office/drawing/2014/main" id="{EF8E7B68-2C25-555E-0B8C-6010DC2B0AB4}"/>
               </a:ext>
             </a:extLst>
           </p:cNvPr>
@@ -2357,7 +2357,7 @@
           <p:cNvPr id="5" name="日期占位符 4">
             <a:extLst>
               <a:ext uri="{FF2B5EF4-FFF2-40B4-BE49-F238E27FC236}">
-                <a16:creationId xmlns:a16="http://schemas.microsoft.com/office/drawing/2014/main" id="{6891A9D2-8F97-C0A5-D562-4066EC268678}"/>
+                <a16:creationId xmlns:a16="http://schemas.microsoft.com/office/drawing/2014/main" id="{2F28545D-69FC-8ED4-8DED-88CA2F6AA4D3}"/>
               </a:ext>
             </a:extLst>
           </p:cNvPr>
@@ -2373,7 +2373,7 @@
           <a:bodyPr/>
           <a:lstStyle/>
           <a:p>
-            <a:fld id="{C47FAE34-0777-4BBD-85B9-3AEE94ED4D86}" type="datetimeFigureOut">
+            <a:fld id="{32FADDD2-9A04-41FE-B5CE-6C2D77E511BC}" type="datetimeFigureOut">
               <a:rPr lang="zh-CN" altLang="en-US" smtClean="0"/>
               <a:t>2024/3/10</a:t>
             </a:fld>
@@ -2386,7 +2386,7 @@
           <p:cNvPr id="6" name="页脚占位符 5">
             <a:extLst>
               <a:ext uri="{FF2B5EF4-FFF2-40B4-BE49-F238E27FC236}">
-                <a16:creationId xmlns:a16="http://schemas.microsoft.com/office/drawing/2014/main" id="{A2D4DFD3-91FD-AC55-0754-63CF763D3BF7}"/>
+                <a16:creationId xmlns:a16="http://schemas.microsoft.com/office/drawing/2014/main" id="{85F7AF6C-F603-8CF5-B900-7D7F20E54FDC}"/>
               </a:ext>
             </a:extLst>
           </p:cNvPr>
@@ -2411,7 +2411,7 @@
           <p:cNvPr id="7" name="灯片编号占位符 6">
             <a:extLst>
               <a:ext uri="{FF2B5EF4-FFF2-40B4-BE49-F238E27FC236}">
-                <a16:creationId xmlns:a16="http://schemas.microsoft.com/office/drawing/2014/main" id="{39F56A47-A71E-4C9F-277F-1AB9A3E8AFD7}"/>
+                <a16:creationId xmlns:a16="http://schemas.microsoft.com/office/drawing/2014/main" id="{483CFC5B-A391-FC7D-B0E7-0FE3EBC45D13}"/>
               </a:ext>
             </a:extLst>
           </p:cNvPr>
@@ -2427,7 +2427,7 @@
           <a:bodyPr/>
           <a:lstStyle/>
           <a:p>
-            <a:fld id="{B030DD09-55AE-435B-AF34-3C2AB3587C0F}" type="slidenum">
+            <a:fld id="{312A4D9C-8C5E-4C10-B2FA-62A86F21F4B9}" type="slidenum">
               <a:rPr lang="zh-CN" altLang="en-US" smtClean="0"/>
               <a:t>‹#›</a:t>
             </a:fld>
@@ -2438,7 +2438,7 @@
     </p:spTree>
     <p:extLst>
       <p:ext uri="{BB962C8B-B14F-4D97-AF65-F5344CB8AC3E}">
-        <p14:creationId xmlns:p14="http://schemas.microsoft.com/office/powerpoint/2010/main" val="2729841616"/>
+        <p14:creationId xmlns:p14="http://schemas.microsoft.com/office/powerpoint/2010/main" val="2046811405"/>
       </p:ext>
     </p:extLst>
   </p:cSld>
@@ -2470,7 +2470,7 @@
           <p:cNvPr id="2" name="标题 1">
             <a:extLst>
               <a:ext uri="{FF2B5EF4-FFF2-40B4-BE49-F238E27FC236}">
-                <a16:creationId xmlns:a16="http://schemas.microsoft.com/office/drawing/2014/main" id="{CE7CC87F-6064-48A3-4D0F-9B325BBE2B68}"/>
+                <a16:creationId xmlns:a16="http://schemas.microsoft.com/office/drawing/2014/main" id="{2DF48B0A-CB27-DE4C-AC9E-3F767C4EF642}"/>
               </a:ext>
             </a:extLst>
           </p:cNvPr>
@@ -2507,7 +2507,7 @@
           <p:cNvPr id="3" name="图片占位符 2">
             <a:extLst>
               <a:ext uri="{FF2B5EF4-FFF2-40B4-BE49-F238E27FC236}">
-                <a16:creationId xmlns:a16="http://schemas.microsoft.com/office/drawing/2014/main" id="{2455F6F7-0C7F-153F-6DC6-966DE79F23D6}"/>
+                <a16:creationId xmlns:a16="http://schemas.microsoft.com/office/drawing/2014/main" id="{3E09C47F-A1EF-04B7-7F7C-356656E39055}"/>
               </a:ext>
             </a:extLst>
           </p:cNvPr>
@@ -2574,7 +2574,7 @@
           <p:cNvPr id="4" name="文本占位符 3">
             <a:extLst>
               <a:ext uri="{FF2B5EF4-FFF2-40B4-BE49-F238E27FC236}">
-                <a16:creationId xmlns:a16="http://schemas.microsoft.com/office/drawing/2014/main" id="{D0328A1A-0526-18D4-86AC-65E6B00D5244}"/>
+                <a16:creationId xmlns:a16="http://schemas.microsoft.com/office/drawing/2014/main" id="{938ED6C9-55C6-1D22-FB23-D60E9D25FCDC}"/>
               </a:ext>
             </a:extLst>
           </p:cNvPr>
@@ -2645,7 +2645,7 @@
           <p:cNvPr id="5" name="日期占位符 4">
             <a:extLst>
               <a:ext uri="{FF2B5EF4-FFF2-40B4-BE49-F238E27FC236}">
-                <a16:creationId xmlns:a16="http://schemas.microsoft.com/office/drawing/2014/main" id="{C21CC631-272F-F7A6-0820-46365A964204}"/>
+                <a16:creationId xmlns:a16="http://schemas.microsoft.com/office/drawing/2014/main" id="{6F0DE512-7BB5-5EB6-9099-A0F5B0BF0286}"/>
               </a:ext>
             </a:extLst>
           </p:cNvPr>
@@ -2661,7 +2661,7 @@
           <a:bodyPr/>
           <a:lstStyle/>
           <a:p>
-            <a:fld id="{C47FAE34-0777-4BBD-85B9-3AEE94ED4D86}" type="datetimeFigureOut">
+            <a:fld id="{32FADDD2-9A04-41FE-B5CE-6C2D77E511BC}" type="datetimeFigureOut">
               <a:rPr lang="zh-CN" altLang="en-US" smtClean="0"/>
               <a:t>2024/3/10</a:t>
             </a:fld>
@@ -2674,7 +2674,7 @@
           <p:cNvPr id="6" name="页脚占位符 5">
             <a:extLst>
               <a:ext uri="{FF2B5EF4-FFF2-40B4-BE49-F238E27FC236}">
-                <a16:creationId xmlns:a16="http://schemas.microsoft.com/office/drawing/2014/main" id="{F3C0F675-E040-CBC6-8B6E-A0187EE62BDE}"/>
+                <a16:creationId xmlns:a16="http://schemas.microsoft.com/office/drawing/2014/main" id="{D98FFAE4-C13A-BC1E-466D-9E094E9F037C}"/>
               </a:ext>
             </a:extLst>
           </p:cNvPr>
@@ -2699,7 +2699,7 @@
           <p:cNvPr id="7" name="灯片编号占位符 6">
             <a:extLst>
               <a:ext uri="{FF2B5EF4-FFF2-40B4-BE49-F238E27FC236}">
-                <a16:creationId xmlns:a16="http://schemas.microsoft.com/office/drawing/2014/main" id="{0C7AC56B-1275-C44D-D2FA-68F35DD56CA6}"/>
+                <a16:creationId xmlns:a16="http://schemas.microsoft.com/office/drawing/2014/main" id="{B7481886-8BB9-C3ED-EDE6-12E1F62912F0}"/>
               </a:ext>
             </a:extLst>
           </p:cNvPr>
@@ -2715,7 +2715,7 @@
           <a:bodyPr/>
           <a:lstStyle/>
           <a:p>
-            <a:fld id="{B030DD09-55AE-435B-AF34-3C2AB3587C0F}" type="slidenum">
+            <a:fld id="{312A4D9C-8C5E-4C10-B2FA-62A86F21F4B9}" type="slidenum">
               <a:rPr lang="zh-CN" altLang="en-US" smtClean="0"/>
               <a:t>‹#›</a:t>
             </a:fld>
@@ -2726,7 +2726,7 @@
     </p:spTree>
     <p:extLst>
       <p:ext uri="{BB962C8B-B14F-4D97-AF65-F5344CB8AC3E}">
-        <p14:creationId xmlns:p14="http://schemas.microsoft.com/office/powerpoint/2010/main" val="1855672057"/>
+        <p14:creationId xmlns:p14="http://schemas.microsoft.com/office/powerpoint/2010/main" val="2435795669"/>
       </p:ext>
     </p:extLst>
   </p:cSld>
@@ -2763,7 +2763,7 @@
           <p:cNvPr id="2" name="标题占位符 1">
             <a:extLst>
               <a:ext uri="{FF2B5EF4-FFF2-40B4-BE49-F238E27FC236}">
-                <a16:creationId xmlns:a16="http://schemas.microsoft.com/office/drawing/2014/main" id="{B7D248D5-EC13-68D6-0476-CA334D5661C7}"/>
+                <a16:creationId xmlns:a16="http://schemas.microsoft.com/office/drawing/2014/main" id="{9F04BCBB-EBDC-1C40-D217-7CF53B9460F9}"/>
               </a:ext>
             </a:extLst>
           </p:cNvPr>
@@ -2801,7 +2801,7 @@
           <p:cNvPr id="3" name="文本占位符 2">
             <a:extLst>
               <a:ext uri="{FF2B5EF4-FFF2-40B4-BE49-F238E27FC236}">
-                <a16:creationId xmlns:a16="http://schemas.microsoft.com/office/drawing/2014/main" id="{9BF06210-529C-3872-EB07-A83C42414DFD}"/>
+                <a16:creationId xmlns:a16="http://schemas.microsoft.com/office/drawing/2014/main" id="{4218E645-C2E7-F460-167A-D391CB61F7D9}"/>
               </a:ext>
             </a:extLst>
           </p:cNvPr>
@@ -2868,7 +2868,7 @@
           <p:cNvPr id="4" name="日期占位符 3">
             <a:extLst>
               <a:ext uri="{FF2B5EF4-FFF2-40B4-BE49-F238E27FC236}">
-                <a16:creationId xmlns:a16="http://schemas.microsoft.com/office/drawing/2014/main" id="{DA6852CC-FEC6-5939-5916-988B831FF9A2}"/>
+                <a16:creationId xmlns:a16="http://schemas.microsoft.com/office/drawing/2014/main" id="{FA4A3A5E-B48B-D518-402C-2AB713D22E9E}"/>
               </a:ext>
             </a:extLst>
           </p:cNvPr>
@@ -2902,7 +2902,7 @@
             </a:lvl1pPr>
           </a:lstStyle>
           <a:p>
-            <a:fld id="{C47FAE34-0777-4BBD-85B9-3AEE94ED4D86}" type="datetimeFigureOut">
+            <a:fld id="{32FADDD2-9A04-41FE-B5CE-6C2D77E511BC}" type="datetimeFigureOut">
               <a:rPr lang="zh-CN" altLang="en-US" smtClean="0"/>
               <a:t>2024/3/10</a:t>
             </a:fld>
@@ -2915,7 +2915,7 @@
           <p:cNvPr id="5" name="页脚占位符 4">
             <a:extLst>
               <a:ext uri="{FF2B5EF4-FFF2-40B4-BE49-F238E27FC236}">
-                <a16:creationId xmlns:a16="http://schemas.microsoft.com/office/drawing/2014/main" id="{ECB266E5-B5FB-623E-703F-F09954DA8D64}"/>
+                <a16:creationId xmlns:a16="http://schemas.microsoft.com/office/drawing/2014/main" id="{E8FE8D00-DDB9-ECCB-27A7-B0BCEC4AB9A5}"/>
               </a:ext>
             </a:extLst>
           </p:cNvPr>
@@ -2958,7 +2958,7 @@
           <p:cNvPr id="6" name="灯片编号占位符 5">
             <a:extLst>
               <a:ext uri="{FF2B5EF4-FFF2-40B4-BE49-F238E27FC236}">
-                <a16:creationId xmlns:a16="http://schemas.microsoft.com/office/drawing/2014/main" id="{67E99565-1DFD-10CB-B9AC-C5FCBDF94EBC}"/>
+                <a16:creationId xmlns:a16="http://schemas.microsoft.com/office/drawing/2014/main" id="{79D6C505-89B0-85C5-9D94-DEF07CB6A409}"/>
               </a:ext>
             </a:extLst>
           </p:cNvPr>
@@ -2992,7 +2992,7 @@
             </a:lvl1pPr>
           </a:lstStyle>
           <a:p>
-            <a:fld id="{B030DD09-55AE-435B-AF34-3C2AB3587C0F}" type="slidenum">
+            <a:fld id="{312A4D9C-8C5E-4C10-B2FA-62A86F21F4B9}" type="slidenum">
               <a:rPr lang="zh-CN" altLang="en-US" smtClean="0"/>
               <a:t>‹#›</a:t>
             </a:fld>
@@ -3003,7 +3003,7 @@
     </p:spTree>
     <p:extLst>
       <p:ext uri="{BB962C8B-B14F-4D97-AF65-F5344CB8AC3E}">
-        <p14:creationId xmlns:p14="http://schemas.microsoft.com/office/powerpoint/2010/main" val="3300587252"/>
+        <p14:creationId xmlns:p14="http://schemas.microsoft.com/office/powerpoint/2010/main" val="2570174284"/>
       </p:ext>
     </p:extLst>
   </p:cSld>
@@ -3323,7 +3323,7 @@
       </p:grpSpPr>
       <p:pic>
         <p:nvPicPr>
-          <p:cNvPr id="471042" name="Picture 2" descr="459"/>
+          <p:cNvPr id="472066" name="Picture 2" descr="460"/>
           <p:cNvPicPr>
             <a:picLocks noChangeAspect="1" noChangeArrowheads="1"/>
           </p:cNvPicPr>
@@ -3345,7 +3345,7 @@
         <p:spPr bwMode="auto">
           <a:xfrm>
             <a:off x="1524000" y="0"/>
-            <a:ext cx="9144000" cy="6858000"/>
+            <a:ext cx="9144000" cy="5805488"/>
           </a:xfrm>
           <a:prstGeom prst="rect">
             <a:avLst/>
